--- a/Assignment4.pptx
+++ b/Assignment4.pptx
@@ -7,12 +7,13 @@
   <p:sldIdLst>
     <p:sldId id="256" r:id="rId2"/>
     <p:sldId id="257" r:id="rId3"/>
-    <p:sldId id="263" r:id="rId4"/>
-    <p:sldId id="266" r:id="rId5"/>
-    <p:sldId id="262" r:id="rId6"/>
-    <p:sldId id="264" r:id="rId7"/>
-    <p:sldId id="265" r:id="rId8"/>
-    <p:sldId id="260" r:id="rId9"/>
+    <p:sldId id="267" r:id="rId4"/>
+    <p:sldId id="263" r:id="rId5"/>
+    <p:sldId id="266" r:id="rId6"/>
+    <p:sldId id="262" r:id="rId7"/>
+    <p:sldId id="264" r:id="rId8"/>
+    <p:sldId id="265" r:id="rId9"/>
+    <p:sldId id="260" r:id="rId10"/>
   </p:sldIdLst>
   <p:sldSz cx="12192000" cy="6858000"/>
   <p:notesSz cx="6858000" cy="9144000"/>
@@ -111,6 +112,11 @@
       </a:defRPr>
     </a:lvl9pPr>
   </p:defaultTextStyle>
+  <p:extLst>
+    <p:ext uri="{EFAFB233-063F-42B5-8137-9DF3F51BA10A}">
+      <p15:sldGuideLst xmlns:p15="http://schemas.microsoft.com/office/powerpoint/2012/main"/>
+    </p:ext>
+  </p:extLst>
 </p:presentation>
 </file>
 
@@ -2680,7 +2686,33 @@
                 <a:latin typeface="Arial" panose="020B0604020202020204" pitchFamily="34" charset="0"/>
                 <a:cs typeface="Arial" panose="020B0604020202020204" pitchFamily="34" charset="0"/>
               </a:rPr>
-              <a:t>Computing an </a:t>
+              <a:t>Computing </a:t>
+            </a:r>
+            <a:r>
+              <a:rPr lang="de-DE" dirty="0" err="1">
+                <a:solidFill>
+                  <a:schemeClr val="tx2">
+                    <a:lumMod val="60000"/>
+                    <a:lumOff val="40000"/>
+                  </a:schemeClr>
+                </a:solidFill>
+                <a:latin typeface="Arial" panose="020B0604020202020204" pitchFamily="34" charset="0"/>
+                <a:cs typeface="Arial" panose="020B0604020202020204" pitchFamily="34" charset="0"/>
+              </a:rPr>
+              <a:t>as</a:t>
+            </a:r>
+            <a:r>
+              <a:rPr lang="de-DE" dirty="0">
+                <a:solidFill>
+                  <a:schemeClr val="tx2">
+                    <a:lumMod val="60000"/>
+                    <a:lumOff val="40000"/>
+                  </a:schemeClr>
+                </a:solidFill>
+                <a:latin typeface="Arial" panose="020B0604020202020204" pitchFamily="34" charset="0"/>
+                <a:cs typeface="Arial" panose="020B0604020202020204" pitchFamily="34" charset="0"/>
+              </a:rPr>
+              <a:t> an </a:t>
             </a:r>
             <a:r>
               <a:rPr lang="de-DE" dirty="0" err="1">
@@ -3258,6 +3290,723 @@
         </p:nvSpPr>
         <p:spPr>
           <a:xfrm>
+            <a:off x="838200" y="2133600"/>
+            <a:ext cx="10515600" cy="4351338"/>
+          </a:xfrm>
+        </p:spPr>
+        <p:txBody>
+          <a:bodyPr>
+            <a:normAutofit/>
+          </a:bodyPr>
+          <a:lstStyle/>
+          <a:p>
+            <a:r>
+              <a:rPr lang="de-DE" dirty="0" err="1">
+                <a:solidFill>
+                  <a:schemeClr val="tx2">
+                    <a:lumMod val="60000"/>
+                    <a:lumOff val="40000"/>
+                  </a:schemeClr>
+                </a:solidFill>
+                <a:latin typeface="Arial" panose="020B0604020202020204" pitchFamily="34" charset="0"/>
+                <a:cs typeface="Arial" panose="020B0604020202020204" pitchFamily="34" charset="0"/>
+              </a:rPr>
+              <a:t>Some</a:t>
+            </a:r>
+            <a:r>
+              <a:rPr lang="de-DE" dirty="0">
+                <a:solidFill>
+                  <a:schemeClr val="tx2">
+                    <a:lumMod val="60000"/>
+                    <a:lumOff val="40000"/>
+                  </a:schemeClr>
+                </a:solidFill>
+                <a:latin typeface="Arial" panose="020B0604020202020204" pitchFamily="34" charset="0"/>
+                <a:cs typeface="Arial" panose="020B0604020202020204" pitchFamily="34" charset="0"/>
+              </a:rPr>
+              <a:t> </a:t>
+            </a:r>
+            <a:r>
+              <a:rPr lang="de-DE" dirty="0" err="1">
+                <a:solidFill>
+                  <a:schemeClr val="tx2">
+                    <a:lumMod val="60000"/>
+                    <a:lumOff val="40000"/>
+                  </a:schemeClr>
+                </a:solidFill>
+                <a:latin typeface="Arial" panose="020B0604020202020204" pitchFamily="34" charset="0"/>
+                <a:cs typeface="Arial" panose="020B0604020202020204" pitchFamily="34" charset="0"/>
+              </a:rPr>
+              <a:t>activities</a:t>
+            </a:r>
+            <a:r>
+              <a:rPr lang="de-DE" dirty="0">
+                <a:solidFill>
+                  <a:schemeClr val="tx2">
+                    <a:lumMod val="60000"/>
+                    <a:lumOff val="40000"/>
+                  </a:schemeClr>
+                </a:solidFill>
+                <a:latin typeface="Arial" panose="020B0604020202020204" pitchFamily="34" charset="0"/>
+                <a:cs typeface="Arial" panose="020B0604020202020204" pitchFamily="34" charset="0"/>
+              </a:rPr>
+              <a:t> </a:t>
+            </a:r>
+            <a:r>
+              <a:rPr lang="de-DE" dirty="0" err="1">
+                <a:solidFill>
+                  <a:schemeClr val="tx2">
+                    <a:lumMod val="60000"/>
+                    <a:lumOff val="40000"/>
+                  </a:schemeClr>
+                </a:solidFill>
+                <a:latin typeface="Arial" panose="020B0604020202020204" pitchFamily="34" charset="0"/>
+                <a:cs typeface="Arial" panose="020B0604020202020204" pitchFamily="34" charset="0"/>
+              </a:rPr>
+              <a:t>primarily</a:t>
+            </a:r>
+            <a:r>
+              <a:rPr lang="de-DE" dirty="0">
+                <a:solidFill>
+                  <a:schemeClr val="tx2">
+                    <a:lumMod val="60000"/>
+                    <a:lumOff val="40000"/>
+                  </a:schemeClr>
+                </a:solidFill>
+                <a:latin typeface="Arial" panose="020B0604020202020204" pitchFamily="34" charset="0"/>
+                <a:cs typeface="Arial" panose="020B0604020202020204" pitchFamily="34" charset="0"/>
+              </a:rPr>
+              <a:t> </a:t>
+            </a:r>
+            <a:r>
+              <a:rPr lang="de-DE" dirty="0" err="1">
+                <a:solidFill>
+                  <a:schemeClr val="tx2">
+                    <a:lumMod val="60000"/>
+                    <a:lumOff val="40000"/>
+                  </a:schemeClr>
+                </a:solidFill>
+                <a:latin typeface="Arial" panose="020B0604020202020204" pitchFamily="34" charset="0"/>
+                <a:cs typeface="Arial" panose="020B0604020202020204" pitchFamily="34" charset="0"/>
+              </a:rPr>
+              <a:t>science</a:t>
+            </a:r>
+            <a:r>
+              <a:rPr lang="de-DE" dirty="0">
+                <a:solidFill>
+                  <a:schemeClr val="tx2">
+                    <a:lumMod val="60000"/>
+                    <a:lumOff val="40000"/>
+                  </a:schemeClr>
+                </a:solidFill>
+                <a:latin typeface="Arial" panose="020B0604020202020204" pitchFamily="34" charset="0"/>
+                <a:cs typeface="Arial" panose="020B0604020202020204" pitchFamily="34" charset="0"/>
+              </a:rPr>
+              <a:t>: experimental </a:t>
+            </a:r>
+            <a:r>
+              <a:rPr lang="de-DE" dirty="0" err="1">
+                <a:solidFill>
+                  <a:schemeClr val="tx2">
+                    <a:lumMod val="60000"/>
+                    <a:lumOff val="40000"/>
+                  </a:schemeClr>
+                </a:solidFill>
+                <a:latin typeface="Arial" panose="020B0604020202020204" pitchFamily="34" charset="0"/>
+                <a:cs typeface="Arial" panose="020B0604020202020204" pitchFamily="34" charset="0"/>
+              </a:rPr>
+              <a:t>algorithms</a:t>
+            </a:r>
+            <a:r>
+              <a:rPr lang="de-DE" dirty="0">
+                <a:solidFill>
+                  <a:schemeClr val="tx2">
+                    <a:lumMod val="60000"/>
+                    <a:lumOff val="40000"/>
+                  </a:schemeClr>
+                </a:solidFill>
+                <a:latin typeface="Arial" panose="020B0604020202020204" pitchFamily="34" charset="0"/>
+                <a:cs typeface="Arial" panose="020B0604020202020204" pitchFamily="34" charset="0"/>
+              </a:rPr>
+              <a:t>, experimental </a:t>
+            </a:r>
+            <a:r>
+              <a:rPr lang="de-DE" dirty="0" err="1">
+                <a:solidFill>
+                  <a:schemeClr val="tx2">
+                    <a:lumMod val="60000"/>
+                    <a:lumOff val="40000"/>
+                  </a:schemeClr>
+                </a:solidFill>
+                <a:latin typeface="Arial" panose="020B0604020202020204" pitchFamily="34" charset="0"/>
+                <a:cs typeface="Arial" panose="020B0604020202020204" pitchFamily="34" charset="0"/>
+              </a:rPr>
+              <a:t>computer</a:t>
+            </a:r>
+            <a:r>
+              <a:rPr lang="de-DE" dirty="0">
+                <a:solidFill>
+                  <a:schemeClr val="tx2">
+                    <a:lumMod val="60000"/>
+                    <a:lumOff val="40000"/>
+                  </a:schemeClr>
+                </a:solidFill>
+                <a:latin typeface="Arial" panose="020B0604020202020204" pitchFamily="34" charset="0"/>
+                <a:cs typeface="Arial" panose="020B0604020202020204" pitchFamily="34" charset="0"/>
+              </a:rPr>
+              <a:t> </a:t>
+            </a:r>
+            <a:r>
+              <a:rPr lang="de-DE" dirty="0" err="1">
+                <a:solidFill>
+                  <a:schemeClr val="tx2">
+                    <a:lumMod val="60000"/>
+                    <a:lumOff val="40000"/>
+                  </a:schemeClr>
+                </a:solidFill>
+                <a:latin typeface="Arial" panose="020B0604020202020204" pitchFamily="34" charset="0"/>
+                <a:cs typeface="Arial" panose="020B0604020202020204" pitchFamily="34" charset="0"/>
+              </a:rPr>
+              <a:t>science</a:t>
+            </a:r>
+            <a:r>
+              <a:rPr lang="de-DE" dirty="0">
+                <a:solidFill>
+                  <a:schemeClr val="tx2">
+                    <a:lumMod val="60000"/>
+                    <a:lumOff val="40000"/>
+                  </a:schemeClr>
+                </a:solidFill>
+                <a:latin typeface="Arial" panose="020B0604020202020204" pitchFamily="34" charset="0"/>
+                <a:cs typeface="Arial" panose="020B0604020202020204" pitchFamily="34" charset="0"/>
+              </a:rPr>
+              <a:t>, </a:t>
+            </a:r>
+            <a:r>
+              <a:rPr lang="de-DE" dirty="0" err="1">
+                <a:solidFill>
+                  <a:schemeClr val="tx2">
+                    <a:lumMod val="60000"/>
+                    <a:lumOff val="40000"/>
+                  </a:schemeClr>
+                </a:solidFill>
+                <a:latin typeface="Arial" panose="020B0604020202020204" pitchFamily="34" charset="0"/>
+                <a:cs typeface="Arial" panose="020B0604020202020204" pitchFamily="34" charset="0"/>
+              </a:rPr>
+              <a:t>computational</a:t>
+            </a:r>
+            <a:r>
+              <a:rPr lang="de-DE" dirty="0">
+                <a:solidFill>
+                  <a:schemeClr val="tx2">
+                    <a:lumMod val="60000"/>
+                    <a:lumOff val="40000"/>
+                  </a:schemeClr>
+                </a:solidFill>
+                <a:latin typeface="Arial" panose="020B0604020202020204" pitchFamily="34" charset="0"/>
+                <a:cs typeface="Arial" panose="020B0604020202020204" pitchFamily="34" charset="0"/>
+              </a:rPr>
+              <a:t> </a:t>
+            </a:r>
+            <a:r>
+              <a:rPr lang="de-DE" dirty="0" err="1">
+                <a:solidFill>
+                  <a:schemeClr val="tx2">
+                    <a:lumMod val="60000"/>
+                    <a:lumOff val="40000"/>
+                  </a:schemeClr>
+                </a:solidFill>
+                <a:latin typeface="Arial" panose="020B0604020202020204" pitchFamily="34" charset="0"/>
+                <a:cs typeface="Arial" panose="020B0604020202020204" pitchFamily="34" charset="0"/>
+              </a:rPr>
+              <a:t>science</a:t>
+            </a:r>
+            <a:endParaRPr lang="de-DE" dirty="0">
+              <a:solidFill>
+                <a:schemeClr val="tx2">
+                  <a:lumMod val="60000"/>
+                  <a:lumOff val="40000"/>
+                </a:schemeClr>
+              </a:solidFill>
+              <a:latin typeface="Arial" panose="020B0604020202020204" pitchFamily="34" charset="0"/>
+              <a:cs typeface="Arial" panose="020B0604020202020204" pitchFamily="34" charset="0"/>
+            </a:endParaRPr>
+          </a:p>
+          <a:p>
+            <a:r>
+              <a:rPr lang="de-DE" dirty="0" err="1">
+                <a:solidFill>
+                  <a:schemeClr val="tx2">
+                    <a:lumMod val="60000"/>
+                    <a:lumOff val="40000"/>
+                  </a:schemeClr>
+                </a:solidFill>
+                <a:latin typeface="Arial" panose="020B0604020202020204" pitchFamily="34" charset="0"/>
+                <a:cs typeface="Arial" panose="020B0604020202020204" pitchFamily="34" charset="0"/>
+              </a:rPr>
+              <a:t>Some</a:t>
+            </a:r>
+            <a:r>
+              <a:rPr lang="de-DE" dirty="0">
+                <a:solidFill>
+                  <a:schemeClr val="tx2">
+                    <a:lumMod val="60000"/>
+                    <a:lumOff val="40000"/>
+                  </a:schemeClr>
+                </a:solidFill>
+                <a:latin typeface="Arial" panose="020B0604020202020204" pitchFamily="34" charset="0"/>
+                <a:cs typeface="Arial" panose="020B0604020202020204" pitchFamily="34" charset="0"/>
+              </a:rPr>
+              <a:t> </a:t>
+            </a:r>
+            <a:r>
+              <a:rPr lang="de-DE" dirty="0" err="1">
+                <a:solidFill>
+                  <a:schemeClr val="tx2">
+                    <a:lumMod val="60000"/>
+                    <a:lumOff val="40000"/>
+                  </a:schemeClr>
+                </a:solidFill>
+                <a:latin typeface="Arial" panose="020B0604020202020204" pitchFamily="34" charset="0"/>
+                <a:cs typeface="Arial" panose="020B0604020202020204" pitchFamily="34" charset="0"/>
+              </a:rPr>
+              <a:t>activities</a:t>
+            </a:r>
+            <a:r>
+              <a:rPr lang="de-DE" dirty="0">
+                <a:solidFill>
+                  <a:schemeClr val="tx2">
+                    <a:lumMod val="60000"/>
+                    <a:lumOff val="40000"/>
+                  </a:schemeClr>
+                </a:solidFill>
+                <a:latin typeface="Arial" panose="020B0604020202020204" pitchFamily="34" charset="0"/>
+                <a:cs typeface="Arial" panose="020B0604020202020204" pitchFamily="34" charset="0"/>
+              </a:rPr>
+              <a:t> </a:t>
+            </a:r>
+            <a:r>
+              <a:rPr lang="de-DE" dirty="0" err="1">
+                <a:solidFill>
+                  <a:schemeClr val="tx2">
+                    <a:lumMod val="60000"/>
+                    <a:lumOff val="40000"/>
+                  </a:schemeClr>
+                </a:solidFill>
+                <a:latin typeface="Arial" panose="020B0604020202020204" pitchFamily="34" charset="0"/>
+                <a:cs typeface="Arial" panose="020B0604020202020204" pitchFamily="34" charset="0"/>
+              </a:rPr>
+              <a:t>primarily</a:t>
+            </a:r>
+            <a:r>
+              <a:rPr lang="de-DE" dirty="0">
+                <a:solidFill>
+                  <a:schemeClr val="tx2">
+                    <a:lumMod val="60000"/>
+                    <a:lumOff val="40000"/>
+                  </a:schemeClr>
+                </a:solidFill>
+                <a:latin typeface="Arial" panose="020B0604020202020204" pitchFamily="34" charset="0"/>
+                <a:cs typeface="Arial" panose="020B0604020202020204" pitchFamily="34" charset="0"/>
+              </a:rPr>
+              <a:t> </a:t>
+            </a:r>
+            <a:r>
+              <a:rPr lang="de-DE" dirty="0" err="1">
+                <a:solidFill>
+                  <a:schemeClr val="tx2">
+                    <a:lumMod val="60000"/>
+                    <a:lumOff val="40000"/>
+                  </a:schemeClr>
+                </a:solidFill>
+                <a:latin typeface="Arial" panose="020B0604020202020204" pitchFamily="34" charset="0"/>
+                <a:cs typeface="Arial" panose="020B0604020202020204" pitchFamily="34" charset="0"/>
+              </a:rPr>
+              <a:t>engineering</a:t>
+            </a:r>
+            <a:r>
+              <a:rPr lang="de-DE" dirty="0">
+                <a:solidFill>
+                  <a:schemeClr val="tx2">
+                    <a:lumMod val="60000"/>
+                    <a:lumOff val="40000"/>
+                  </a:schemeClr>
+                </a:solidFill>
+                <a:latin typeface="Arial" panose="020B0604020202020204" pitchFamily="34" charset="0"/>
+                <a:cs typeface="Arial" panose="020B0604020202020204" pitchFamily="34" charset="0"/>
+              </a:rPr>
+              <a:t>: design, </a:t>
+            </a:r>
+            <a:r>
+              <a:rPr lang="de-DE" dirty="0" err="1">
+                <a:solidFill>
+                  <a:schemeClr val="tx2">
+                    <a:lumMod val="60000"/>
+                    <a:lumOff val="40000"/>
+                  </a:schemeClr>
+                </a:solidFill>
+                <a:latin typeface="Arial" panose="020B0604020202020204" pitchFamily="34" charset="0"/>
+                <a:cs typeface="Arial" panose="020B0604020202020204" pitchFamily="34" charset="0"/>
+              </a:rPr>
+              <a:t>development</a:t>
+            </a:r>
+            <a:r>
+              <a:rPr lang="en-US" dirty="0">
+                <a:solidFill>
+                  <a:schemeClr val="tx2">
+                    <a:lumMod val="60000"/>
+                    <a:lumOff val="40000"/>
+                  </a:schemeClr>
+                </a:solidFill>
+                <a:latin typeface="Arial" panose="020B0604020202020204" pitchFamily="34" charset="0"/>
+                <a:cs typeface="Arial" panose="020B0604020202020204" pitchFamily="34" charset="0"/>
+              </a:rPr>
+              <a:t>, software engineering, computer engineering</a:t>
+            </a:r>
+          </a:p>
+          <a:p>
+            <a:r>
+              <a:rPr lang="en-US" dirty="0">
+                <a:solidFill>
+                  <a:schemeClr val="tx2">
+                    <a:lumMod val="60000"/>
+                    <a:lumOff val="40000"/>
+                  </a:schemeClr>
+                </a:solidFill>
+                <a:latin typeface="Arial" panose="020B0604020202020204" pitchFamily="34" charset="0"/>
+                <a:cs typeface="Arial" panose="020B0604020202020204" pitchFamily="34" charset="0"/>
+              </a:rPr>
+              <a:t>Some activities primarily mathematics: computational complexity, mathematical software, numerical analysis</a:t>
+            </a:r>
+          </a:p>
+          <a:p>
+            <a:r>
+              <a:rPr lang="en-US" dirty="0">
+                <a:solidFill>
+                  <a:schemeClr val="tx2">
+                    <a:lumMod val="60000"/>
+                    <a:lumOff val="40000"/>
+                  </a:schemeClr>
+                </a:solidFill>
+                <a:latin typeface="Arial" panose="020B0604020202020204" pitchFamily="34" charset="0"/>
+                <a:cs typeface="Arial" panose="020B0604020202020204" pitchFamily="34" charset="0"/>
+              </a:rPr>
+              <a:t>Most combinations</a:t>
+            </a:r>
+            <a:endParaRPr lang="de-DE" dirty="0">
+              <a:solidFill>
+                <a:schemeClr val="tx2">
+                  <a:lumMod val="60000"/>
+                  <a:lumOff val="40000"/>
+                </a:schemeClr>
+              </a:solidFill>
+              <a:latin typeface="Arial" panose="020B0604020202020204" pitchFamily="34" charset="0"/>
+              <a:cs typeface="Arial" panose="020B0604020202020204" pitchFamily="34" charset="0"/>
+            </a:endParaRPr>
+          </a:p>
+        </p:txBody>
+      </p:sp>
+      <p:sp>
+        <p:nvSpPr>
+          <p:cNvPr id="6" name="Textfeld 5">
+            <a:extLst>
+              <a:ext uri="{FF2B5EF4-FFF2-40B4-BE49-F238E27FC236}">
+                <a16:creationId xmlns:a16="http://schemas.microsoft.com/office/drawing/2014/main" id="{4AFB32B9-EE6F-4866-B05F-C0D5B55FD129}"/>
+              </a:ext>
+            </a:extLst>
+          </p:cNvPr>
+          <p:cNvSpPr txBox="1"/>
+          <p:nvPr/>
+        </p:nvSpPr>
+        <p:spPr>
+          <a:xfrm flipH="1">
+            <a:off x="42333" y="45522"/>
+            <a:ext cx="2985347" cy="369332"/>
+          </a:xfrm>
+          <a:prstGeom prst="rect">
+            <a:avLst/>
+          </a:prstGeom>
+          <a:noFill/>
+        </p:spPr>
+        <p:txBody>
+          <a:bodyPr wrap="square" rtlCol="0">
+            <a:spAutoFit/>
+          </a:bodyPr>
+          <a:lstStyle/>
+          <a:p>
+            <a:r>
+              <a:rPr lang="de-DE" dirty="0">
+                <a:solidFill>
+                  <a:schemeClr val="tx2">
+                    <a:lumMod val="60000"/>
+                    <a:lumOff val="40000"/>
+                  </a:schemeClr>
+                </a:solidFill>
+              </a:rPr>
+              <a:t>[</a:t>
+            </a:r>
+            <a:r>
+              <a:rPr lang="de-DE" dirty="0" err="1">
+                <a:solidFill>
+                  <a:schemeClr val="tx2">
+                    <a:lumMod val="60000"/>
+                    <a:lumOff val="40000"/>
+                  </a:schemeClr>
+                </a:solidFill>
+              </a:rPr>
+              <a:t>Denning</a:t>
+            </a:r>
+            <a:r>
+              <a:rPr lang="de-DE" dirty="0">
+                <a:solidFill>
+                  <a:schemeClr val="tx2">
+                    <a:lumMod val="60000"/>
+                    <a:lumOff val="40000"/>
+                  </a:schemeClr>
+                </a:solidFill>
+              </a:rPr>
+              <a:t>, 2005]</a:t>
+            </a:r>
+          </a:p>
+        </p:txBody>
+      </p:sp>
+      <p:cxnSp>
+        <p:nvCxnSpPr>
+          <p:cNvPr id="8" name="Gerader Verbinder 7">
+            <a:extLst>
+              <a:ext uri="{FF2B5EF4-FFF2-40B4-BE49-F238E27FC236}">
+                <a16:creationId xmlns:a16="http://schemas.microsoft.com/office/drawing/2014/main" id="{50F46A6A-42CF-4674-BF3F-1C69D74E298E}"/>
+              </a:ext>
+            </a:extLst>
+          </p:cNvPr>
+          <p:cNvCxnSpPr>
+            <a:cxnSpLocks/>
+          </p:cNvCxnSpPr>
+          <p:nvPr/>
+        </p:nvCxnSpPr>
+        <p:spPr>
+          <a:xfrm flipV="1">
+            <a:off x="555414" y="1690688"/>
+            <a:ext cx="10955866" cy="0"/>
+          </a:xfrm>
+          <a:prstGeom prst="line">
+            <a:avLst/>
+          </a:prstGeom>
+          <a:ln w="28575">
+            <a:solidFill>
+              <a:schemeClr val="tx1">
+                <a:lumMod val="50000"/>
+                <a:lumOff val="50000"/>
+              </a:schemeClr>
+            </a:solidFill>
+          </a:ln>
+        </p:spPr>
+        <p:style>
+          <a:lnRef idx="1">
+            <a:schemeClr val="dk1"/>
+          </a:lnRef>
+          <a:fillRef idx="0">
+            <a:schemeClr val="dk1"/>
+          </a:fillRef>
+          <a:effectRef idx="0">
+            <a:schemeClr val="dk1"/>
+          </a:effectRef>
+          <a:fontRef idx="minor">
+            <a:schemeClr val="tx1"/>
+          </a:fontRef>
+        </p:style>
+      </p:cxnSp>
+    </p:spTree>
+    <p:extLst>
+      <p:ext uri="{BB962C8B-B14F-4D97-AF65-F5344CB8AC3E}">
+        <p14:creationId xmlns:p14="http://schemas.microsoft.com/office/powerpoint/2010/main" val="317446899"/>
+      </p:ext>
+    </p:extLst>
+  </p:cSld>
+  <p:clrMapOvr>
+    <a:masterClrMapping/>
+  </p:clrMapOvr>
+</p:sld>
+</file>
+
+<file path=ppt/slides/slide4.xml><?xml version="1.0" encoding="utf-8"?>
+<p:sld xmlns:a="http://schemas.openxmlformats.org/drawingml/2006/main" xmlns:r="http://schemas.openxmlformats.org/officeDocument/2006/relationships" xmlns:p="http://schemas.openxmlformats.org/presentationml/2006/main">
+  <p:cSld>
+    <p:spTree>
+      <p:nvGrpSpPr>
+        <p:cNvPr id="1" name=""/>
+        <p:cNvGrpSpPr/>
+        <p:nvPr/>
+      </p:nvGrpSpPr>
+      <p:grpSpPr>
+        <a:xfrm>
+          <a:off x="0" y="0"/>
+          <a:ext cx="0" cy="0"/>
+          <a:chOff x="0" y="0"/>
+          <a:chExt cx="0" cy="0"/>
+        </a:xfrm>
+      </p:grpSpPr>
+      <p:sp>
+        <p:nvSpPr>
+          <p:cNvPr id="2" name="Titel 1">
+            <a:extLst>
+              <a:ext uri="{FF2B5EF4-FFF2-40B4-BE49-F238E27FC236}">
+                <a16:creationId xmlns:a16="http://schemas.microsoft.com/office/drawing/2014/main" id="{491A4545-32DC-467B-9F48-6A634849AF26}"/>
+              </a:ext>
+            </a:extLst>
+          </p:cNvPr>
+          <p:cNvSpPr>
+            <a:spLocks noGrp="1"/>
+          </p:cNvSpPr>
+          <p:nvPr>
+            <p:ph type="title"/>
+          </p:nvPr>
+        </p:nvSpPr>
+        <p:spPr>
+          <a:xfrm>
+            <a:off x="287867" y="365125"/>
+            <a:ext cx="11700933" cy="1325563"/>
+          </a:xfrm>
+        </p:spPr>
+        <p:txBody>
+          <a:bodyPr/>
+          <a:lstStyle/>
+          <a:p>
+            <a:r>
+              <a:rPr lang="de-DE" dirty="0">
+                <a:solidFill>
+                  <a:schemeClr val="tx1">
+                    <a:lumMod val="50000"/>
+                    <a:lumOff val="50000"/>
+                  </a:schemeClr>
+                </a:solidFill>
+                <a:latin typeface="Arial" panose="020B0604020202020204" pitchFamily="34" charset="0"/>
+                <a:cs typeface="Arial" panose="020B0604020202020204" pitchFamily="34" charset="0"/>
+              </a:rPr>
+              <a:t>The </a:t>
+            </a:r>
+            <a:r>
+              <a:rPr lang="de-DE" dirty="0" err="1">
+                <a:solidFill>
+                  <a:schemeClr val="tx1">
+                    <a:lumMod val="50000"/>
+                    <a:lumOff val="50000"/>
+                  </a:schemeClr>
+                </a:solidFill>
+                <a:latin typeface="Arial" panose="020B0604020202020204" pitchFamily="34" charset="0"/>
+                <a:cs typeface="Arial" panose="020B0604020202020204" pitchFamily="34" charset="0"/>
+              </a:rPr>
+              <a:t>Perception</a:t>
+            </a:r>
+            <a:r>
+              <a:rPr lang="de-DE" dirty="0">
+                <a:solidFill>
+                  <a:schemeClr val="tx1">
+                    <a:lumMod val="50000"/>
+                    <a:lumOff val="50000"/>
+                  </a:schemeClr>
+                </a:solidFill>
+                <a:latin typeface="Arial" panose="020B0604020202020204" pitchFamily="34" charset="0"/>
+                <a:cs typeface="Arial" panose="020B0604020202020204" pitchFamily="34" charset="0"/>
+              </a:rPr>
+              <a:t> </a:t>
+            </a:r>
+            <a:r>
+              <a:rPr lang="de-DE" dirty="0" err="1">
+                <a:solidFill>
+                  <a:schemeClr val="tx1">
+                    <a:lumMod val="50000"/>
+                    <a:lumOff val="50000"/>
+                  </a:schemeClr>
+                </a:solidFill>
+                <a:latin typeface="Arial" panose="020B0604020202020204" pitchFamily="34" charset="0"/>
+                <a:cs typeface="Arial" panose="020B0604020202020204" pitchFamily="34" charset="0"/>
+              </a:rPr>
+              <a:t>of</a:t>
+            </a:r>
+            <a:r>
+              <a:rPr lang="de-DE" dirty="0">
+                <a:solidFill>
+                  <a:schemeClr val="tx1">
+                    <a:lumMod val="50000"/>
+                    <a:lumOff val="50000"/>
+                  </a:schemeClr>
+                </a:solidFill>
+                <a:latin typeface="Arial" panose="020B0604020202020204" pitchFamily="34" charset="0"/>
+                <a:cs typeface="Arial" panose="020B0604020202020204" pitchFamily="34" charset="0"/>
+              </a:rPr>
+              <a:t> CS </a:t>
+            </a:r>
+            <a:r>
+              <a:rPr lang="de-DE" dirty="0" err="1">
+                <a:solidFill>
+                  <a:schemeClr val="tx1">
+                    <a:lumMod val="50000"/>
+                    <a:lumOff val="50000"/>
+                  </a:schemeClr>
+                </a:solidFill>
+                <a:latin typeface="Arial" panose="020B0604020202020204" pitchFamily="34" charset="0"/>
+                <a:cs typeface="Arial" panose="020B0604020202020204" pitchFamily="34" charset="0"/>
+              </a:rPr>
+              <a:t>as</a:t>
+            </a:r>
+            <a:r>
+              <a:rPr lang="de-DE" dirty="0">
+                <a:solidFill>
+                  <a:schemeClr val="tx1">
+                    <a:lumMod val="50000"/>
+                    <a:lumOff val="50000"/>
+                  </a:schemeClr>
+                </a:solidFill>
+                <a:latin typeface="Arial" panose="020B0604020202020204" pitchFamily="34" charset="0"/>
+                <a:cs typeface="Arial" panose="020B0604020202020204" pitchFamily="34" charset="0"/>
+              </a:rPr>
+              <a:t> a Scientific </a:t>
+            </a:r>
+            <a:r>
+              <a:rPr lang="de-DE" dirty="0" err="1">
+                <a:solidFill>
+                  <a:schemeClr val="tx1">
+                    <a:lumMod val="50000"/>
+                    <a:lumOff val="50000"/>
+                  </a:schemeClr>
+                </a:solidFill>
+                <a:latin typeface="Arial" panose="020B0604020202020204" pitchFamily="34" charset="0"/>
+                <a:cs typeface="Arial" panose="020B0604020202020204" pitchFamily="34" charset="0"/>
+              </a:rPr>
+              <a:t>Discipline</a:t>
+            </a:r>
+            <a:endParaRPr lang="de-DE" dirty="0">
+              <a:solidFill>
+                <a:schemeClr val="tx1">
+                  <a:lumMod val="50000"/>
+                  <a:lumOff val="50000"/>
+                </a:schemeClr>
+              </a:solidFill>
+              <a:latin typeface="Arial" panose="020B0604020202020204" pitchFamily="34" charset="0"/>
+              <a:cs typeface="Arial" panose="020B0604020202020204" pitchFamily="34" charset="0"/>
+            </a:endParaRPr>
+          </a:p>
+        </p:txBody>
+      </p:sp>
+      <p:sp>
+        <p:nvSpPr>
+          <p:cNvPr id="3" name="Inhaltsplatzhalter 2">
+            <a:extLst>
+              <a:ext uri="{FF2B5EF4-FFF2-40B4-BE49-F238E27FC236}">
+                <a16:creationId xmlns:a16="http://schemas.microsoft.com/office/drawing/2014/main" id="{65E7C3D3-09FB-40D0-82D3-650B37711334}"/>
+              </a:ext>
+            </a:extLst>
+          </p:cNvPr>
+          <p:cNvSpPr>
+            <a:spLocks noGrp="1"/>
+          </p:cNvSpPr>
+          <p:nvPr>
+            <p:ph idx="1"/>
+          </p:nvPr>
+        </p:nvSpPr>
+        <p:spPr>
+          <a:xfrm>
             <a:off x="838200" y="1876425"/>
             <a:ext cx="10515600" cy="4351338"/>
           </a:xfrm>
@@ -3652,7 +4401,7 @@
                 <a:latin typeface="Arial" panose="020B0604020202020204" pitchFamily="34" charset="0"/>
                 <a:cs typeface="Arial" panose="020B0604020202020204" pitchFamily="34" charset="0"/>
               </a:rPr>
-              <a:t>: DANN </a:t>
+              <a:t>: DNA </a:t>
             </a:r>
             <a:r>
               <a:rPr lang="de-DE" dirty="0" err="1">
@@ -4000,7 +4749,7 @@
 </p:sld>
 </file>
 
-<file path=ppt/slides/slide4.xml><?xml version="1.0" encoding="utf-8"?>
+<file path=ppt/slides/slide5.xml><?xml version="1.0" encoding="utf-8"?>
 <p:sld xmlns:a="http://schemas.openxmlformats.org/drawingml/2006/main" xmlns:r="http://schemas.openxmlformats.org/officeDocument/2006/relationships" xmlns:p="http://schemas.openxmlformats.org/presentationml/2006/main">
   <p:cSld>
     <p:spTree>
@@ -4344,7 +5093,7 @@
                 <a:latin typeface="Arial" panose="020B0604020202020204" pitchFamily="34" charset="0"/>
                 <a:cs typeface="Arial" panose="020B0604020202020204" pitchFamily="34" charset="0"/>
               </a:rPr>
-              <a:t>the</a:t>
+              <a:t>be</a:t>
             </a:r>
             <a:r>
               <a:rPr lang="de-DE" dirty="0">
@@ -4658,33 +5407,7 @@
                 <a:latin typeface="Arial" panose="020B0604020202020204" pitchFamily="34" charset="0"/>
                 <a:cs typeface="Arial" panose="020B0604020202020204" pitchFamily="34" charset="0"/>
               </a:rPr>
-              <a:t> and </a:t>
-            </a:r>
-            <a:r>
-              <a:rPr lang="de-DE" dirty="0" err="1">
-                <a:solidFill>
-                  <a:schemeClr val="tx2">
-                    <a:lumMod val="60000"/>
-                    <a:lumOff val="40000"/>
-                  </a:schemeClr>
-                </a:solidFill>
-                <a:latin typeface="Arial" panose="020B0604020202020204" pitchFamily="34" charset="0"/>
-                <a:cs typeface="Arial" panose="020B0604020202020204" pitchFamily="34" charset="0"/>
-              </a:rPr>
-              <a:t>math</a:t>
-            </a:r>
-            <a:r>
-              <a:rPr lang="de-DE" dirty="0">
-                <a:solidFill>
-                  <a:schemeClr val="tx2">
-                    <a:lumMod val="60000"/>
-                    <a:lumOff val="40000"/>
-                  </a:schemeClr>
-                </a:solidFill>
-                <a:latin typeface="Arial" panose="020B0604020202020204" pitchFamily="34" charset="0"/>
-                <a:cs typeface="Arial" panose="020B0604020202020204" pitchFamily="34" charset="0"/>
-              </a:rPr>
-              <a:t>“</a:t>
+              <a:t> and math.“</a:t>
             </a:r>
           </a:p>
         </p:txBody>
@@ -4812,7 +5535,7 @@
 </p:sld>
 </file>
 
-<file path=ppt/slides/slide5.xml><?xml version="1.0" encoding="utf-8"?>
+<file path=ppt/slides/slide6.xml><?xml version="1.0" encoding="utf-8"?>
 <p:sld xmlns:a="http://schemas.openxmlformats.org/drawingml/2006/main" xmlns:r="http://schemas.openxmlformats.org/officeDocument/2006/relationships" xmlns:p="http://schemas.openxmlformats.org/presentationml/2006/main">
   <p:cSld>
     <p:spTree>
@@ -5196,7 +5919,7 @@
                 <a:latin typeface="Arial" panose="020B0604020202020204" pitchFamily="34" charset="0"/>
                 <a:cs typeface="Arial" panose="020B0604020202020204" pitchFamily="34" charset="0"/>
               </a:rPr>
-              <a:t> ,Communication,…</a:t>
+              <a:t>, Communication,…</a:t>
             </a:r>
           </a:p>
           <a:p>
@@ -6135,7 +6858,7 @@
 </p:sld>
 </file>
 
-<file path=ppt/slides/slide6.xml><?xml version="1.0" encoding="utf-8"?>
+<file path=ppt/slides/slide7.xml><?xml version="1.0" encoding="utf-8"?>
 <p:sld xmlns:a="http://schemas.openxmlformats.org/drawingml/2006/main" xmlns:r="http://schemas.openxmlformats.org/officeDocument/2006/relationships" xmlns:p="http://schemas.openxmlformats.org/presentationml/2006/main">
   <p:cSld>
     <p:spTree>
@@ -6376,7 +7099,7 @@
                 <a:latin typeface="Arial" panose="020B0604020202020204" pitchFamily="34" charset="0"/>
                 <a:cs typeface="Arial" panose="020B0604020202020204" pitchFamily="34" charset="0"/>
               </a:rPr>
-              <a:t>coice</a:t>
+              <a:t>choice</a:t>
             </a:r>
             <a:r>
               <a:rPr lang="de-DE" dirty="0">
@@ -7056,7 +7779,7 @@
 </p:sld>
 </file>
 
-<file path=ppt/slides/slide7.xml><?xml version="1.0" encoding="utf-8"?>
+<file path=ppt/slides/slide8.xml><?xml version="1.0" encoding="utf-8"?>
 <p:sld xmlns:a="http://schemas.openxmlformats.org/drawingml/2006/main" xmlns:r="http://schemas.openxmlformats.org/officeDocument/2006/relationships" xmlns:p="http://schemas.openxmlformats.org/presentationml/2006/main">
   <p:cSld>
     <p:spTree>
@@ -7136,7 +7859,7 @@
                 <a:latin typeface="Arial" panose="020B0604020202020204" pitchFamily="34" charset="0"/>
                 <a:cs typeface="Arial" panose="020B0604020202020204" pitchFamily="34" charset="0"/>
               </a:rPr>
-              <a:t>Does</a:t>
+              <a:t>are</a:t>
             </a:r>
             <a:r>
               <a:rPr lang="de-DE" dirty="0">
@@ -7175,7 +7898,7 @@
                 <a:latin typeface="Arial" panose="020B0604020202020204" pitchFamily="34" charset="0"/>
                 <a:cs typeface="Arial" panose="020B0604020202020204" pitchFamily="34" charset="0"/>
               </a:rPr>
-              <a:t> University </a:t>
+              <a:t> </a:t>
             </a:r>
             <a:r>
               <a:rPr lang="de-DE" dirty="0" err="1">
@@ -7188,7 +7911,7 @@
                 <a:latin typeface="Arial" panose="020B0604020202020204" pitchFamily="34" charset="0"/>
                 <a:cs typeface="Arial" panose="020B0604020202020204" pitchFamily="34" charset="0"/>
               </a:rPr>
-              <a:t>React</a:t>
+              <a:t>Reactions</a:t>
             </a:r>
             <a:r>
               <a:rPr lang="de-DE" dirty="0">
@@ -7230,9 +7953,28 @@
         </p:spPr>
         <p:txBody>
           <a:bodyPr>
-            <a:normAutofit/>
+            <a:normAutofit fontScale="92500" lnSpcReduction="10000"/>
           </a:bodyPr>
           <a:lstStyle/>
+          <a:p>
+            <a:pPr marL="0" indent="0">
+              <a:buNone/>
+            </a:pPr>
+            <a:r>
+              <a:rPr lang="de-DE" dirty="0">
+                <a:solidFill>
+                  <a:schemeClr val="tx2">
+                    <a:lumMod val="60000"/>
+                    <a:lumOff val="40000"/>
+                  </a:schemeClr>
+                </a:solidFill>
+                <a:latin typeface="Arial" panose="020B0604020202020204" pitchFamily="34" charset="0"/>
+                <a:cs typeface="Arial" panose="020B0604020202020204" pitchFamily="34" charset="0"/>
+                <a:sym typeface="Wingdings" panose="05000000000000000000" pitchFamily="2" charset="2"/>
+              </a:rPr>
+              <a:t>University</a:t>
+            </a:r>
+          </a:p>
           <a:p>
             <a:r>
               <a:rPr lang="de-DE" dirty="0">
@@ -7577,6 +8319,305 @@
                 <a:sym typeface="Wingdings" panose="05000000000000000000" pitchFamily="2" charset="2"/>
               </a:rPr>
               <a:t> Data Science Master, Software Engineering Master,…</a:t>
+            </a:r>
+          </a:p>
+          <a:p>
+            <a:pPr marL="0" indent="0">
+              <a:buNone/>
+            </a:pPr>
+            <a:endParaRPr lang="de-DE" dirty="0">
+              <a:solidFill>
+                <a:schemeClr val="tx2">
+                  <a:lumMod val="60000"/>
+                  <a:lumOff val="40000"/>
+                </a:schemeClr>
+              </a:solidFill>
+              <a:latin typeface="Arial" panose="020B0604020202020204" pitchFamily="34" charset="0"/>
+              <a:cs typeface="Arial" panose="020B0604020202020204" pitchFamily="34" charset="0"/>
+              <a:sym typeface="Wingdings" panose="05000000000000000000" pitchFamily="2" charset="2"/>
+            </a:endParaRPr>
+          </a:p>
+          <a:p>
+            <a:pPr marL="0" indent="0">
+              <a:buNone/>
+            </a:pPr>
+            <a:r>
+              <a:rPr lang="de-DE" dirty="0" err="1">
+                <a:solidFill>
+                  <a:schemeClr val="tx2">
+                    <a:lumMod val="60000"/>
+                    <a:lumOff val="40000"/>
+                  </a:schemeClr>
+                </a:solidFill>
+                <a:latin typeface="Arial" panose="020B0604020202020204" pitchFamily="34" charset="0"/>
+                <a:cs typeface="Arial" panose="020B0604020202020204" pitchFamily="34" charset="0"/>
+                <a:sym typeface="Wingdings" panose="05000000000000000000" pitchFamily="2" charset="2"/>
+              </a:rPr>
+              <a:t>Movements</a:t>
+            </a:r>
+            <a:endParaRPr lang="de-DE" dirty="0">
+              <a:solidFill>
+                <a:schemeClr val="tx2">
+                  <a:lumMod val="60000"/>
+                  <a:lumOff val="40000"/>
+                </a:schemeClr>
+              </a:solidFill>
+              <a:latin typeface="Arial" panose="020B0604020202020204" pitchFamily="34" charset="0"/>
+              <a:cs typeface="Arial" panose="020B0604020202020204" pitchFamily="34" charset="0"/>
+              <a:sym typeface="Wingdings" panose="05000000000000000000" pitchFamily="2" charset="2"/>
+            </a:endParaRPr>
+          </a:p>
+          <a:p>
+            <a:r>
+              <a:rPr lang="de-DE" dirty="0">
+                <a:solidFill>
+                  <a:schemeClr val="tx2">
+                    <a:lumMod val="60000"/>
+                    <a:lumOff val="40000"/>
+                  </a:schemeClr>
+                </a:solidFill>
+                <a:latin typeface="Arial" panose="020B0604020202020204" pitchFamily="34" charset="0"/>
+                <a:cs typeface="Arial" panose="020B0604020202020204" pitchFamily="34" charset="0"/>
+                <a:sym typeface="Wingdings" panose="05000000000000000000" pitchFamily="2" charset="2"/>
+              </a:rPr>
+              <a:t>„CS </a:t>
+            </a:r>
+            <a:r>
+              <a:rPr lang="de-DE" dirty="0" err="1">
+                <a:solidFill>
+                  <a:schemeClr val="tx2">
+                    <a:lumMod val="60000"/>
+                    <a:lumOff val="40000"/>
+                  </a:schemeClr>
+                </a:solidFill>
+                <a:latin typeface="Arial" panose="020B0604020202020204" pitchFamily="34" charset="0"/>
+                <a:cs typeface="Arial" panose="020B0604020202020204" pitchFamily="34" charset="0"/>
+                <a:sym typeface="Wingdings" panose="05000000000000000000" pitchFamily="2" charset="2"/>
+              </a:rPr>
+              <a:t>for</a:t>
+            </a:r>
+            <a:r>
+              <a:rPr lang="de-DE" dirty="0">
+                <a:solidFill>
+                  <a:schemeClr val="tx2">
+                    <a:lumMod val="60000"/>
+                    <a:lumOff val="40000"/>
+                  </a:schemeClr>
+                </a:solidFill>
+                <a:latin typeface="Arial" panose="020B0604020202020204" pitchFamily="34" charset="0"/>
+                <a:cs typeface="Arial" panose="020B0604020202020204" pitchFamily="34" charset="0"/>
+                <a:sym typeface="Wingdings" panose="05000000000000000000" pitchFamily="2" charset="2"/>
+              </a:rPr>
+              <a:t> All“ -&gt; </a:t>
+            </a:r>
+            <a:r>
+              <a:rPr lang="de-DE" dirty="0" err="1">
+                <a:solidFill>
+                  <a:schemeClr val="tx2">
+                    <a:lumMod val="60000"/>
+                    <a:lumOff val="40000"/>
+                  </a:schemeClr>
+                </a:solidFill>
+                <a:latin typeface="Arial" panose="020B0604020202020204" pitchFamily="34" charset="0"/>
+                <a:cs typeface="Arial" panose="020B0604020202020204" pitchFamily="34" charset="0"/>
+                <a:sym typeface="Wingdings" panose="05000000000000000000" pitchFamily="2" charset="2"/>
+              </a:rPr>
+              <a:t>educational</a:t>
+            </a:r>
+            <a:r>
+              <a:rPr lang="de-DE" dirty="0">
+                <a:solidFill>
+                  <a:schemeClr val="tx2">
+                    <a:lumMod val="60000"/>
+                    <a:lumOff val="40000"/>
+                  </a:schemeClr>
+                </a:solidFill>
+                <a:latin typeface="Arial" panose="020B0604020202020204" pitchFamily="34" charset="0"/>
+                <a:cs typeface="Arial" panose="020B0604020202020204" pitchFamily="34" charset="0"/>
+                <a:sym typeface="Wingdings" panose="05000000000000000000" pitchFamily="2" charset="2"/>
+              </a:rPr>
+              <a:t> </a:t>
+            </a:r>
+            <a:r>
+              <a:rPr lang="de-DE" dirty="0" err="1">
+                <a:solidFill>
+                  <a:schemeClr val="tx2">
+                    <a:lumMod val="60000"/>
+                    <a:lumOff val="40000"/>
+                  </a:schemeClr>
+                </a:solidFill>
+                <a:latin typeface="Arial" panose="020B0604020202020204" pitchFamily="34" charset="0"/>
+                <a:cs typeface="Arial" panose="020B0604020202020204" pitchFamily="34" charset="0"/>
+                <a:sym typeface="Wingdings" panose="05000000000000000000" pitchFamily="2" charset="2"/>
+              </a:rPr>
+              <a:t>movement</a:t>
+            </a:r>
+            <a:endParaRPr lang="de-DE" dirty="0">
+              <a:solidFill>
+                <a:schemeClr val="tx2">
+                  <a:lumMod val="60000"/>
+                  <a:lumOff val="40000"/>
+                </a:schemeClr>
+              </a:solidFill>
+              <a:latin typeface="Arial" panose="020B0604020202020204" pitchFamily="34" charset="0"/>
+              <a:cs typeface="Arial" panose="020B0604020202020204" pitchFamily="34" charset="0"/>
+              <a:sym typeface="Wingdings" panose="05000000000000000000" pitchFamily="2" charset="2"/>
+            </a:endParaRPr>
+          </a:p>
+          <a:p>
+            <a:r>
+              <a:rPr lang="de-DE" dirty="0" err="1">
+                <a:solidFill>
+                  <a:schemeClr val="tx2">
+                    <a:lumMod val="60000"/>
+                    <a:lumOff val="40000"/>
+                  </a:schemeClr>
+                </a:solidFill>
+                <a:latin typeface="Arial" panose="020B0604020202020204" pitchFamily="34" charset="0"/>
+                <a:cs typeface="Arial" panose="020B0604020202020204" pitchFamily="34" charset="0"/>
+                <a:sym typeface="Wingdings" panose="05000000000000000000" pitchFamily="2" charset="2"/>
+              </a:rPr>
+              <a:t>Include</a:t>
+            </a:r>
+            <a:r>
+              <a:rPr lang="de-DE" dirty="0">
+                <a:solidFill>
+                  <a:schemeClr val="tx2">
+                    <a:lumMod val="60000"/>
+                    <a:lumOff val="40000"/>
+                  </a:schemeClr>
+                </a:solidFill>
+                <a:latin typeface="Arial" panose="020B0604020202020204" pitchFamily="34" charset="0"/>
+                <a:cs typeface="Arial" panose="020B0604020202020204" pitchFamily="34" charset="0"/>
+                <a:sym typeface="Wingdings" panose="05000000000000000000" pitchFamily="2" charset="2"/>
+              </a:rPr>
+              <a:t> </a:t>
+            </a:r>
+            <a:r>
+              <a:rPr lang="de-DE" dirty="0" err="1">
+                <a:solidFill>
+                  <a:schemeClr val="tx2">
+                    <a:lumMod val="60000"/>
+                    <a:lumOff val="40000"/>
+                  </a:schemeClr>
+                </a:solidFill>
+                <a:latin typeface="Arial" panose="020B0604020202020204" pitchFamily="34" charset="0"/>
+                <a:cs typeface="Arial" panose="020B0604020202020204" pitchFamily="34" charset="0"/>
+                <a:sym typeface="Wingdings" panose="05000000000000000000" pitchFamily="2" charset="2"/>
+              </a:rPr>
+              <a:t>computing</a:t>
+            </a:r>
+            <a:r>
+              <a:rPr lang="de-DE" dirty="0">
+                <a:solidFill>
+                  <a:schemeClr val="tx2">
+                    <a:lumMod val="60000"/>
+                    <a:lumOff val="40000"/>
+                  </a:schemeClr>
+                </a:solidFill>
+                <a:latin typeface="Arial" panose="020B0604020202020204" pitchFamily="34" charset="0"/>
+                <a:cs typeface="Arial" panose="020B0604020202020204" pitchFamily="34" charset="0"/>
+                <a:sym typeface="Wingdings" panose="05000000000000000000" pitchFamily="2" charset="2"/>
+              </a:rPr>
+              <a:t> in </a:t>
+            </a:r>
+            <a:r>
+              <a:rPr lang="de-DE" dirty="0" err="1">
+                <a:solidFill>
+                  <a:schemeClr val="tx2">
+                    <a:lumMod val="60000"/>
+                    <a:lumOff val="40000"/>
+                  </a:schemeClr>
+                </a:solidFill>
+                <a:latin typeface="Arial" panose="020B0604020202020204" pitchFamily="34" charset="0"/>
+                <a:cs typeface="Arial" panose="020B0604020202020204" pitchFamily="34" charset="0"/>
+                <a:sym typeface="Wingdings" panose="05000000000000000000" pitchFamily="2" charset="2"/>
+              </a:rPr>
+              <a:t>everyone‘s</a:t>
+            </a:r>
+            <a:r>
+              <a:rPr lang="de-DE" dirty="0">
+                <a:solidFill>
+                  <a:schemeClr val="tx2">
+                    <a:lumMod val="60000"/>
+                    <a:lumOff val="40000"/>
+                  </a:schemeClr>
+                </a:solidFill>
+                <a:latin typeface="Arial" panose="020B0604020202020204" pitchFamily="34" charset="0"/>
+                <a:cs typeface="Arial" panose="020B0604020202020204" pitchFamily="34" charset="0"/>
+                <a:sym typeface="Wingdings" panose="05000000000000000000" pitchFamily="2" charset="2"/>
+              </a:rPr>
+              <a:t> K-12 </a:t>
+            </a:r>
+            <a:r>
+              <a:rPr lang="de-DE" dirty="0" err="1">
+                <a:solidFill>
+                  <a:schemeClr val="tx2">
+                    <a:lumMod val="60000"/>
+                    <a:lumOff val="40000"/>
+                  </a:schemeClr>
+                </a:solidFill>
+                <a:latin typeface="Arial" panose="020B0604020202020204" pitchFamily="34" charset="0"/>
+                <a:cs typeface="Arial" panose="020B0604020202020204" pitchFamily="34" charset="0"/>
+                <a:sym typeface="Wingdings" panose="05000000000000000000" pitchFamily="2" charset="2"/>
+              </a:rPr>
+              <a:t>education</a:t>
+            </a:r>
+            <a:r>
+              <a:rPr lang="de-DE" dirty="0">
+                <a:solidFill>
+                  <a:schemeClr val="tx2">
+                    <a:lumMod val="60000"/>
+                    <a:lumOff val="40000"/>
+                  </a:schemeClr>
+                </a:solidFill>
+                <a:latin typeface="Arial" panose="020B0604020202020204" pitchFamily="34" charset="0"/>
+                <a:cs typeface="Arial" panose="020B0604020202020204" pitchFamily="34" charset="0"/>
+                <a:sym typeface="Wingdings" panose="05000000000000000000" pitchFamily="2" charset="2"/>
+              </a:rPr>
+              <a:t> </a:t>
+            </a:r>
+            <a:r>
+              <a:rPr lang="de-DE" dirty="0" err="1">
+                <a:solidFill>
+                  <a:schemeClr val="tx2">
+                    <a:lumMod val="60000"/>
+                    <a:lumOff val="40000"/>
+                  </a:schemeClr>
+                </a:solidFill>
+                <a:latin typeface="Arial" panose="020B0604020202020204" pitchFamily="34" charset="0"/>
+                <a:cs typeface="Arial" panose="020B0604020202020204" pitchFamily="34" charset="0"/>
+                <a:sym typeface="Wingdings" panose="05000000000000000000" pitchFamily="2" charset="2"/>
+              </a:rPr>
+              <a:t>or</a:t>
+            </a:r>
+            <a:r>
+              <a:rPr lang="de-DE" dirty="0">
+                <a:solidFill>
+                  <a:schemeClr val="tx2">
+                    <a:lumMod val="60000"/>
+                    <a:lumOff val="40000"/>
+                  </a:schemeClr>
+                </a:solidFill>
+                <a:latin typeface="Arial" panose="020B0604020202020204" pitchFamily="34" charset="0"/>
+                <a:cs typeface="Arial" panose="020B0604020202020204" pitchFamily="34" charset="0"/>
+                <a:sym typeface="Wingdings" panose="05000000000000000000" pitchFamily="2" charset="2"/>
+              </a:rPr>
+              <a:t> professional </a:t>
+            </a:r>
+            <a:r>
+              <a:rPr lang="de-DE" dirty="0" err="1">
+                <a:solidFill>
+                  <a:schemeClr val="tx2">
+                    <a:lumMod val="60000"/>
+                    <a:lumOff val="40000"/>
+                  </a:schemeClr>
+                </a:solidFill>
+                <a:latin typeface="Arial" panose="020B0604020202020204" pitchFamily="34" charset="0"/>
+                <a:cs typeface="Arial" panose="020B0604020202020204" pitchFamily="34" charset="0"/>
+                <a:sym typeface="Wingdings" panose="05000000000000000000" pitchFamily="2" charset="2"/>
+              </a:rPr>
+              <a:t>development</a:t>
             </a:r>
             <a:endParaRPr lang="de-DE" dirty="0">
               <a:solidFill>
@@ -7620,7 +8661,7 @@
           <a:lstStyle/>
           <a:p>
             <a:r>
-              <a:rPr lang="de-DE">
+              <a:rPr lang="de-DE" dirty="0">
                 <a:solidFill>
                   <a:schemeClr val="tx2">
                     <a:lumMod val="60000"/>
@@ -7630,14 +8671,6 @@
               </a:rPr>
               <a:t>[http://www.uni-muenchen.de]</a:t>
             </a:r>
-            <a:endParaRPr lang="de-DE" dirty="0">
-              <a:solidFill>
-                <a:schemeClr val="tx2">
-                  <a:lumMod val="60000"/>
-                  <a:lumOff val="40000"/>
-                </a:schemeClr>
-              </a:solidFill>
-            </a:endParaRPr>
           </a:p>
         </p:txBody>
       </p:sp>
@@ -7687,6 +8720,70 @@
           </a:fontRef>
         </p:style>
       </p:cxnSp>
+      <p:sp>
+        <p:nvSpPr>
+          <p:cNvPr id="7" name="Textfeld 6">
+            <a:extLst>
+              <a:ext uri="{FF2B5EF4-FFF2-40B4-BE49-F238E27FC236}">
+                <a16:creationId xmlns:a16="http://schemas.microsoft.com/office/drawing/2014/main" id="{A3E5C324-C0AE-4919-9891-5B76619474AF}"/>
+              </a:ext>
+            </a:extLst>
+          </p:cNvPr>
+          <p:cNvSpPr txBox="1"/>
+          <p:nvPr/>
+        </p:nvSpPr>
+        <p:spPr>
+          <a:xfrm flipH="1">
+            <a:off x="3097005" y="38885"/>
+            <a:ext cx="2985347" cy="369332"/>
+          </a:xfrm>
+          <a:prstGeom prst="rect">
+            <a:avLst/>
+          </a:prstGeom>
+          <a:noFill/>
+        </p:spPr>
+        <p:txBody>
+          <a:bodyPr wrap="square" rtlCol="0">
+            <a:spAutoFit/>
+          </a:bodyPr>
+          <a:lstStyle/>
+          <a:p>
+            <a:r>
+              <a:rPr lang="de-DE" dirty="0">
+                <a:solidFill>
+                  <a:schemeClr val="tx2">
+                    <a:lumMod val="60000"/>
+                    <a:lumOff val="40000"/>
+                  </a:schemeClr>
+                </a:solidFill>
+              </a:rPr>
+              <a:t>[</a:t>
+            </a:r>
+            <a:r>
+              <a:rPr lang="de-DE" dirty="0" err="1">
+                <a:solidFill>
+                  <a:schemeClr val="tx2">
+                    <a:lumMod val="60000"/>
+                    <a:lumOff val="40000"/>
+                  </a:schemeClr>
+                </a:solidFill>
+              </a:rPr>
+              <a:t>Denning</a:t>
+            </a:r>
+            <a:r>
+              <a:rPr lang="de-DE" dirty="0">
+                <a:solidFill>
+                  <a:schemeClr val="tx2">
+                    <a:lumMod val="60000"/>
+                    <a:lumOff val="40000"/>
+                  </a:schemeClr>
+                </a:solidFill>
+              </a:rPr>
+              <a:t> et al., 2017]</a:t>
+            </a:r>
+          </a:p>
+        </p:txBody>
+      </p:sp>
     </p:spTree>
     <p:extLst>
       <p:ext uri="{BB962C8B-B14F-4D97-AF65-F5344CB8AC3E}">
@@ -7700,7 +8797,7 @@
 </p:sld>
 </file>
 
-<file path=ppt/slides/slide8.xml><?xml version="1.0" encoding="utf-8"?>
+<file path=ppt/slides/slide9.xml><?xml version="1.0" encoding="utf-8"?>
 <p:sld xmlns:a="http://schemas.openxmlformats.org/drawingml/2006/main" xmlns:r="http://schemas.openxmlformats.org/officeDocument/2006/relationships" xmlns:p="http://schemas.openxmlformats.org/presentationml/2006/main">
   <p:cSld>
     <p:spTree>
@@ -7776,6 +8873,44 @@
             <a:normAutofit/>
           </a:bodyPr>
           <a:lstStyle/>
+          <a:p>
+            <a:pPr marL="0" indent="0">
+              <a:buNone/>
+            </a:pPr>
+            <a:r>
+              <a:rPr lang="en-US" sz="2000" dirty="0">
+                <a:solidFill>
+                  <a:schemeClr val="tx2">
+                    <a:lumMod val="60000"/>
+                    <a:lumOff val="40000"/>
+                  </a:schemeClr>
+                </a:solidFill>
+              </a:rPr>
+              <a:t>Peter J. Denning. The profession of IT: Is Computer Science </a:t>
+            </a:r>
+            <a:r>
+              <a:rPr lang="en-US" sz="2000" dirty="0" err="1">
+                <a:solidFill>
+                  <a:schemeClr val="tx2">
+                    <a:lumMod val="60000"/>
+                    <a:lumOff val="40000"/>
+                  </a:schemeClr>
+                </a:solidFill>
+              </a:rPr>
+              <a:t>Science</a:t>
+            </a:r>
+            <a:r>
+              <a:rPr lang="en-US" sz="2000" dirty="0">
+                <a:solidFill>
+                  <a:schemeClr val="tx2">
+                    <a:lumMod val="60000"/>
+                    <a:lumOff val="40000"/>
+                  </a:schemeClr>
+                </a:solidFill>
+              </a:rPr>
+              <a:t>? Communications of the ACM, 48 (4): 27 – 31, 2005.</a:t>
+            </a:r>
+          </a:p>
           <a:p>
             <a:pPr marL="0" indent="0">
               <a:buNone/>
